--- a/陈新宇_U201614921_答辩.pptx
+++ b/陈新宇_U201614921_答辩.pptx
@@ -5,7 +5,7 @@
     <p:sldMasterId id="2147483648" r:id="rId1"/>
   </p:sldMasterIdLst>
   <p:notesMasterIdLst>
-    <p:notesMasterId r:id="rId15"/>
+    <p:notesMasterId r:id="rId16"/>
   </p:notesMasterIdLst>
   <p:sldIdLst>
     <p:sldId id="256" r:id="rId3"/>
@@ -13,13 +13,14 @@
     <p:sldId id="270" r:id="rId5"/>
     <p:sldId id="274" r:id="rId6"/>
     <p:sldId id="275" r:id="rId7"/>
-    <p:sldId id="263" r:id="rId8"/>
-    <p:sldId id="277" r:id="rId9"/>
+    <p:sldId id="277" r:id="rId8"/>
+    <p:sldId id="263" r:id="rId9"/>
     <p:sldId id="276" r:id="rId10"/>
     <p:sldId id="278" r:id="rId11"/>
     <p:sldId id="279" r:id="rId12"/>
     <p:sldId id="281" r:id="rId13"/>
-    <p:sldId id="280" r:id="rId14"/>
+    <p:sldId id="284" r:id="rId14"/>
+    <p:sldId id="280" r:id="rId15"/>
   </p:sldIdLst>
   <p:sldSz cx="9144000" cy="5143500" type="screen16x9"/>
   <p:notesSz cx="6858000" cy="9144000"/>
@@ -4127,6 +4128,9 @@
   <p:clrMapOvr>
     <a:masterClrMapping/>
   </p:clrMapOvr>
+  <p:transition>
+    <p:push dir="u"/>
+  </p:transition>
 </p:sld>
 </file>
 
@@ -4174,7 +4178,9 @@
         </p:nvSpPr>
         <p:spPr/>
         <p:txBody>
-          <a:bodyPr/>
+          <a:bodyPr>
+            <a:normAutofit lnSpcReduction="10000"/>
+          </a:bodyPr>
           <a:p>
             <a:r>
               <a:rPr lang="zh-CN" altLang="en-US"/>
@@ -4188,6 +4194,10 @@
               <a:rPr lang="en-US" altLang="zh-CN"/>
               <a:t>python flask</a:t>
             </a:r>
+            <a:r>
+              <a:rPr lang="zh-CN" altLang="en-US"/>
+              <a:t>，作为整个系统的框架，轻量级，高扩展</a:t>
+            </a:r>
             <a:endParaRPr lang="en-US" altLang="zh-CN"/>
           </a:p>
           <a:p>
@@ -4196,6 +4206,10 @@
               <a:rPr lang="en-US" altLang="zh-CN"/>
               <a:t>vue</a:t>
             </a:r>
+            <a:r>
+              <a:rPr lang="zh-CN" altLang="en-US"/>
+              <a:t>，前端框架</a:t>
+            </a:r>
             <a:endParaRPr lang="en-US" altLang="zh-CN"/>
           </a:p>
           <a:p>
@@ -4204,13 +4218,37 @@
               <a:rPr lang="en-US" altLang="zh-CN"/>
               <a:t>WebGL</a:t>
             </a:r>
+            <a:r>
+              <a:rPr lang="zh-CN" altLang="en-US"/>
+              <a:t>，</a:t>
+            </a:r>
+            <a:r>
+              <a:rPr lang="en-US" altLang="zh-CN"/>
+              <a:t>3D</a:t>
+            </a:r>
+            <a:r>
+              <a:rPr lang="zh-CN" altLang="en-US"/>
+              <a:t>绘图协议</a:t>
+            </a:r>
             <a:endParaRPr lang="en-US" altLang="zh-CN"/>
           </a:p>
           <a:p>
             <a:pPr lvl="1"/>
             <a:r>
               <a:rPr lang="en-US" altLang="zh-CN"/>
-              <a:t>Three3.js</a:t>
+              <a:t>Three.js</a:t>
+            </a:r>
+            <a:r>
+              <a:rPr lang="zh-CN" altLang="en-US"/>
+              <a:t>，</a:t>
+            </a:r>
+            <a:r>
+              <a:rPr lang="en-US" altLang="zh-CN"/>
+              <a:t>WebGL</a:t>
+            </a:r>
+            <a:r>
+              <a:rPr lang="zh-CN" altLang="en-US"/>
+              <a:t>的第三方库</a:t>
             </a:r>
             <a:endParaRPr lang="en-US" altLang="zh-CN"/>
           </a:p>
@@ -4220,15 +4258,39 @@
               <a:rPr lang="en-US" altLang="zh-CN"/>
               <a:t>restful</a:t>
             </a:r>
+            <a:r>
+              <a:rPr lang="zh-CN" altLang="en-US"/>
+              <a:t>，接口风格设计</a:t>
+            </a:r>
             <a:endParaRPr lang="en-US" altLang="zh-CN"/>
           </a:p>
           <a:p>
             <a:pPr lvl="1"/>
             <a:r>
               <a:rPr lang="en-US" altLang="zh-CN"/>
-              <a:t>database</a:t>
-            </a:r>
-            <a:endParaRPr lang="en-US" altLang="zh-CN"/>
+              <a:t>MongoDb</a:t>
+            </a:r>
+            <a:r>
+              <a:rPr lang="zh-CN" altLang="en-US"/>
+              <a:t>，文档型</a:t>
+            </a:r>
+            <a:r>
+              <a:rPr lang="zh-CN" altLang="en-US"/>
+              <a:t>数据库</a:t>
+            </a:r>
+            <a:r>
+              <a:rPr lang="zh-CN" altLang="en-US"/>
+              <a:t>存取数据</a:t>
+            </a:r>
+            <a:endParaRPr lang="zh-CN" altLang="en-US"/>
+          </a:p>
+          <a:p>
+            <a:pPr lvl="1"/>
+            <a:r>
+              <a:rPr lang="zh-CN" altLang="en-US"/>
+              <a:t>串口通信，驱动硬件平台</a:t>
+            </a:r>
+            <a:endParaRPr lang="zh-CN" altLang="en-US"/>
           </a:p>
         </p:txBody>
       </p:sp>
@@ -4237,6 +4299,9 @@
   <p:clrMapOvr>
     <a:masterClrMapping/>
   </p:clrMapOvr>
+  <p:transition>
+    <p:push dir="u"/>
+  </p:transition>
 </p:sld>
 </file>
 
@@ -4260,6 +4325,135 @@
             <p:ph type="title"/>
           </p:nvPr>
         </p:nvSpPr>
+        <p:spPr/>
+        <p:txBody>
+          <a:bodyPr/>
+          <a:p>
+            <a:r>
+              <a:rPr lang="zh-CN" altLang="en-US"/>
+              <a:t>系统实施计划</a:t>
+            </a:r>
+            <a:endParaRPr lang="zh-CN" altLang="en-US"/>
+          </a:p>
+        </p:txBody>
+      </p:sp>
+      <p:sp>
+        <p:nvSpPr>
+          <p:cNvPr id="3" name="内容占位符 2"/>
+          <p:cNvSpPr>
+            <a:spLocks noGrp="1"/>
+          </p:cNvSpPr>
+          <p:nvPr>
+            <p:ph idx="1"/>
+          </p:nvPr>
+        </p:nvSpPr>
+        <p:spPr/>
+        <p:txBody>
+          <a:bodyPr/>
+          <a:p>
+            <a:r>
+              <a:rPr lang="zh-CN" altLang="en-US"/>
+              <a:t>按照模块划分来确定实施时间</a:t>
+            </a:r>
+            <a:endParaRPr lang="zh-CN" altLang="en-US"/>
+          </a:p>
+          <a:p>
+            <a:pPr lvl="1"/>
+            <a:r>
+              <a:rPr lang="zh-CN" altLang="en-US"/>
+              <a:t>系统框架，</a:t>
+            </a:r>
+            <a:r>
+              <a:rPr lang="en-US" altLang="zh-CN"/>
+              <a:t>2</a:t>
+            </a:r>
+            <a:r>
+              <a:rPr lang="zh-CN" altLang="en-US"/>
+              <a:t>周</a:t>
+            </a:r>
+            <a:endParaRPr lang="zh-CN" altLang="en-US"/>
+          </a:p>
+          <a:p>
+            <a:pPr lvl="1"/>
+            <a:r>
+              <a:rPr lang="zh-CN" altLang="en-US"/>
+              <a:t>输入模块和体感模拟模块，</a:t>
+            </a:r>
+            <a:r>
+              <a:rPr lang="en-US" altLang="zh-CN"/>
+              <a:t>2</a:t>
+            </a:r>
+            <a:r>
+              <a:rPr lang="zh-CN" altLang="en-US"/>
+              <a:t>周</a:t>
+            </a:r>
+            <a:endParaRPr lang="zh-CN" altLang="en-US"/>
+          </a:p>
+          <a:p>
+            <a:pPr lvl="1"/>
+            <a:r>
+              <a:rPr lang="zh-CN" altLang="en-US"/>
+              <a:t>数据输出模块，</a:t>
+            </a:r>
+            <a:r>
+              <a:rPr lang="en-US" altLang="zh-CN"/>
+              <a:t>1</a:t>
+            </a:r>
+            <a:r>
+              <a:rPr lang="zh-CN" altLang="en-US"/>
+              <a:t>周</a:t>
+            </a:r>
+            <a:endParaRPr lang="zh-CN" altLang="en-US"/>
+          </a:p>
+          <a:p>
+            <a:pPr lvl="1"/>
+            <a:r>
+              <a:rPr lang="zh-CN" altLang="en-US"/>
+              <a:t>可视化仿真模块和平台驱动模块，</a:t>
+            </a:r>
+            <a:r>
+              <a:rPr lang="en-US" altLang="zh-CN"/>
+              <a:t>3</a:t>
+            </a:r>
+            <a:r>
+              <a:rPr lang="zh-CN" altLang="en-US"/>
+              <a:t>周</a:t>
+            </a:r>
+            <a:endParaRPr lang="zh-CN" altLang="en-US"/>
+          </a:p>
+        </p:txBody>
+      </p:sp>
+    </p:spTree>
+  </p:cSld>
+  <p:clrMapOvr>
+    <a:masterClrMapping/>
+  </p:clrMapOvr>
+  <p:transition>
+    <p:push dir="u"/>
+  </p:transition>
+</p:sld>
+</file>
+
+<file path=ppt/slides/slide13.xml><?xml version="1.0" encoding="utf-8"?>
+<p:sld xmlns:a="http://schemas.openxmlformats.org/drawingml/2006/main" xmlns:r="http://schemas.openxmlformats.org/officeDocument/2006/relationships" xmlns:p="http://schemas.openxmlformats.org/presentationml/2006/main">
+  <p:cSld>
+    <p:spTree>
+      <p:nvGrpSpPr>
+        <p:cNvPr id="1" name=""/>
+        <p:cNvGrpSpPr/>
+        <p:nvPr/>
+      </p:nvGrpSpPr>
+      <p:grpSpPr/>
+      <p:sp>
+        <p:nvSpPr>
+          <p:cNvPr id="2" name="标题 1"/>
+          <p:cNvSpPr>
+            <a:spLocks noGrp="1"/>
+          </p:cNvSpPr>
+          <p:nvPr>
+            <p:ph type="title"/>
+          </p:nvPr>
+        </p:nvSpPr>
         <p:spPr>
           <a:xfrm>
             <a:off x="2719070" y="1834515"/>
@@ -4282,6 +4476,9 @@
   <p:clrMapOvr>
     <a:masterClrMapping/>
   </p:clrMapOvr>
+  <p:transition>
+    <p:push dir="u"/>
+  </p:transition>
 </p:sld>
 </file>
 
@@ -4370,6 +4567,17 @@
             <a:r>
               <a:rPr lang="zh-CN" altLang="en-US" dirty="0"/>
               <a:t>系统实现技术栈</a:t>
+            </a:r>
+            <a:endParaRPr lang="zh-CN" altLang="en-US" dirty="0"/>
+          </a:p>
+          <a:p>
+            <a:r>
+              <a:rPr lang="zh-CN" altLang="en-US" dirty="0"/>
+              <a:t>系统</a:t>
+            </a:r>
+            <a:r>
+              <a:rPr lang="zh-CN" altLang="en-US" dirty="0"/>
+              <a:t>实施计划</a:t>
             </a:r>
             <a:endParaRPr lang="zh-CN" altLang="en-US" dirty="0"/>
           </a:p>
@@ -4556,6 +4764,9 @@
   <p:clrMapOvr>
     <a:masterClrMapping/>
   </p:clrMapOvr>
+  <p:transition>
+    <p:push dir="u"/>
+  </p:transition>
 </p:sld>
 </file>
 
@@ -4644,6 +4855,7 @@
             </a:lvl1pPr>
           </a:lstStyle>
           <a:p>
+            <a:pPr algn="r"/>
             <a:r>
               <a:rPr lang="zh-CN" altLang="en-US" sz="1600" dirty="0" err="1">
                 <a:solidFill>
@@ -4704,6 +4916,7 @@
             </a:lvl1pPr>
           </a:lstStyle>
           <a:p>
+            <a:pPr algn="r"/>
             <a:r>
               <a:rPr lang="zh-CN" altLang="en-US" sz="2000" b="1">
                 <a:solidFill>
@@ -4738,7 +4951,7 @@
         </p:nvSpPr>
         <p:spPr>
           <a:xfrm flipH="1">
-            <a:off x="617855" y="1723875"/>
+            <a:off x="3874135" y="1744830"/>
             <a:ext cx="89473" cy="766791"/>
           </a:xfrm>
           <a:prstGeom prst="rect">
@@ -4986,7 +5199,7 @@
             </a:lvl1pPr>
           </a:lstStyle>
           <a:p>
-            <a:pPr algn="l">
+            <a:pPr algn="r">
               <a:buClrTx/>
               <a:buSzTx/>
               <a:buFontTx/>
@@ -5043,6 +5256,7 @@
             </a:lvl1pPr>
           </a:lstStyle>
           <a:p>
+            <a:pPr algn="r"/>
             <a:r>
               <a:rPr lang="zh-CN" altLang="en-US" sz="2000" b="1">
                 <a:solidFill>
@@ -5088,7 +5302,7 @@
         </p:nvSpPr>
         <p:spPr>
           <a:xfrm flipH="1">
-            <a:off x="617855" y="3161515"/>
+            <a:off x="3874135" y="3132305"/>
             <a:ext cx="89473" cy="766791"/>
           </a:xfrm>
           <a:prstGeom prst="rect">
@@ -5514,6 +5728,147 @@
           </a:p>
         </p:txBody>
       </p:sp>
+      <p:cxnSp>
+        <p:nvCxnSpPr>
+          <p:cNvPr id="3" name="直接箭头连接符 2"/>
+          <p:cNvCxnSpPr>
+            <a:stCxn id="15" idx="3"/>
+            <a:endCxn id="11" idx="1"/>
+          </p:cNvCxnSpPr>
+          <p:nvPr/>
+        </p:nvCxnSpPr>
+        <p:spPr>
+          <a:xfrm flipH="1">
+            <a:off x="3963670" y="1481455"/>
+            <a:ext cx="713105" cy="647065"/>
+          </a:xfrm>
+          <a:prstGeom prst="straightConnector1">
+            <a:avLst/>
+          </a:prstGeom>
+          <a:ln>
+            <a:tailEnd type="arrow" w="med" len="med"/>
+          </a:ln>
+        </p:spPr>
+        <p:style>
+          <a:lnRef idx="3">
+            <a:schemeClr val="accent1"/>
+          </a:lnRef>
+          <a:fillRef idx="0">
+            <a:schemeClr val="accent1"/>
+          </a:fillRef>
+          <a:effectRef idx="2">
+            <a:schemeClr val="accent1"/>
+          </a:effectRef>
+          <a:fontRef idx="minor">
+            <a:schemeClr val="tx1"/>
+          </a:fontRef>
+        </p:style>
+      </p:cxnSp>
+      <p:cxnSp>
+        <p:nvCxnSpPr>
+          <p:cNvPr id="4" name="直接箭头连接符 3"/>
+          <p:cNvCxnSpPr>
+            <a:stCxn id="11" idx="1"/>
+            <a:endCxn id="22" idx="3"/>
+          </p:cNvCxnSpPr>
+          <p:nvPr/>
+        </p:nvCxnSpPr>
+        <p:spPr>
+          <a:xfrm>
+            <a:off x="3963670" y="2128520"/>
+            <a:ext cx="713105" cy="620395"/>
+          </a:xfrm>
+          <a:prstGeom prst="straightConnector1">
+            <a:avLst/>
+          </a:prstGeom>
+          <a:ln>
+            <a:tailEnd type="arrow" w="med" len="med"/>
+          </a:ln>
+        </p:spPr>
+        <p:style>
+          <a:lnRef idx="3">
+            <a:schemeClr val="accent1"/>
+          </a:lnRef>
+          <a:fillRef idx="0">
+            <a:schemeClr val="accent1"/>
+          </a:fillRef>
+          <a:effectRef idx="2">
+            <a:schemeClr val="accent1"/>
+          </a:effectRef>
+          <a:fontRef idx="minor">
+            <a:schemeClr val="tx1"/>
+          </a:fontRef>
+        </p:style>
+      </p:cxnSp>
+      <p:cxnSp>
+        <p:nvCxnSpPr>
+          <p:cNvPr id="6" name="直接箭头连接符 5"/>
+          <p:cNvCxnSpPr>
+            <a:stCxn id="22" idx="3"/>
+            <a:endCxn id="19" idx="1"/>
+          </p:cNvCxnSpPr>
+          <p:nvPr/>
+        </p:nvCxnSpPr>
+        <p:spPr>
+          <a:xfrm flipH="1">
+            <a:off x="3963670" y="2748915"/>
+            <a:ext cx="713105" cy="767080"/>
+          </a:xfrm>
+          <a:prstGeom prst="straightConnector1">
+            <a:avLst/>
+          </a:prstGeom>
+          <a:ln>
+            <a:tailEnd type="arrow" w="med" len="med"/>
+          </a:ln>
+        </p:spPr>
+        <p:style>
+          <a:lnRef idx="3">
+            <a:schemeClr val="accent1"/>
+          </a:lnRef>
+          <a:fillRef idx="0">
+            <a:schemeClr val="accent1"/>
+          </a:fillRef>
+          <a:effectRef idx="2">
+            <a:schemeClr val="accent1"/>
+          </a:effectRef>
+          <a:fontRef idx="minor">
+            <a:schemeClr val="tx1"/>
+          </a:fontRef>
+        </p:style>
+      </p:cxnSp>
+      <p:cxnSp>
+        <p:nvCxnSpPr>
+          <p:cNvPr id="26" name="直接箭头连接符 25"/>
+          <p:cNvCxnSpPr/>
+          <p:nvPr/>
+        </p:nvCxnSpPr>
+        <p:spPr>
+          <a:xfrm>
+            <a:off x="4410075" y="3050540"/>
+            <a:ext cx="299720" cy="953135"/>
+          </a:xfrm>
+          <a:prstGeom prst="straightConnector1">
+            <a:avLst/>
+          </a:prstGeom>
+          <a:ln>
+            <a:tailEnd type="arrow" w="med" len="med"/>
+          </a:ln>
+        </p:spPr>
+        <p:style>
+          <a:lnRef idx="3">
+            <a:schemeClr val="accent1"/>
+          </a:lnRef>
+          <a:fillRef idx="0">
+            <a:schemeClr val="accent1"/>
+          </a:fillRef>
+          <a:effectRef idx="2">
+            <a:schemeClr val="accent1"/>
+          </a:effectRef>
+          <a:fontRef idx="minor">
+            <a:schemeClr val="tx1"/>
+          </a:fontRef>
+        </p:style>
+      </p:cxnSp>
     </p:spTree>
     <p:custDataLst>
       <p:tags r:id="rId17"/>
@@ -5522,6 +5877,9 @@
   <p:clrMapOvr>
     <a:masterClrMapping/>
   </p:clrMapOvr>
+  <p:transition>
+    <p:push dir="u"/>
+  </p:transition>
 </p:sld>
 </file>
 
@@ -5626,14 +5984,6 @@
             </a:r>
             <a:endParaRPr lang="zh-CN" altLang="en-US"/>
           </a:p>
-          <a:p>
-            <a:pPr lvl="1"/>
-            <a:r>
-              <a:rPr lang="zh-CN" altLang="en-US"/>
-              <a:t>手动输入数据</a:t>
-            </a:r>
-            <a:endParaRPr lang="zh-CN" altLang="en-US"/>
-          </a:p>
         </p:txBody>
       </p:sp>
     </p:spTree>
@@ -5641,6 +5991,9 @@
   <p:clrMapOvr>
     <a:masterClrMapping/>
   </p:clrMapOvr>
+  <p:transition>
+    <p:push dir="u"/>
+  </p:transition>
 </p:sld>
 </file>
 
@@ -5675,6 +6028,202 @@
             <a:r>
               <a:rPr lang="en-US" altLang="zh-CN"/>
               <a:t>1</a:t>
+            </a:r>
+            <a:r>
+              <a:rPr lang="zh-CN" altLang="en-US"/>
+              <a:t>）</a:t>
+            </a:r>
+            <a:endParaRPr lang="zh-CN" altLang="en-US"/>
+          </a:p>
+        </p:txBody>
+      </p:sp>
+      <p:sp>
+        <p:nvSpPr>
+          <p:cNvPr id="3" name="内容占位符 2"/>
+          <p:cNvSpPr>
+            <a:spLocks noGrp="1"/>
+          </p:cNvSpPr>
+          <p:nvPr>
+            <p:ph idx="1"/>
+          </p:nvPr>
+        </p:nvSpPr>
+        <p:spPr/>
+        <p:txBody>
+          <a:bodyPr>
+            <a:normAutofit fontScale="90000" lnSpcReduction="20000"/>
+          </a:bodyPr>
+          <a:p>
+            <a:r>
+              <a:rPr lang="zh-CN" altLang="en-US"/>
+              <a:t>主要功能</a:t>
+            </a:r>
+            <a:endParaRPr lang="zh-CN" altLang="en-US"/>
+          </a:p>
+          <a:p>
+            <a:pPr lvl="1"/>
+            <a:r>
+              <a:rPr lang="zh-CN" altLang="en-US" sz="2400"/>
+              <a:t>将输入的运动数据转化为运动平台的位移和角位移</a:t>
+            </a:r>
+            <a:endParaRPr lang="zh-CN" altLang="en-US"/>
+          </a:p>
+          <a:p>
+            <a:r>
+              <a:rPr lang="zh-CN" altLang="en-US"/>
+              <a:t>输入输出</a:t>
+            </a:r>
+            <a:endParaRPr lang="zh-CN" altLang="en-US"/>
+          </a:p>
+          <a:p>
+            <a:pPr lvl="1"/>
+            <a:r>
+              <a:rPr lang="zh-CN" altLang="en-US"/>
+              <a:t>输入</a:t>
+            </a:r>
+            <a:endParaRPr lang="zh-CN" altLang="en-US"/>
+          </a:p>
+          <a:p>
+            <a:pPr lvl="2"/>
+            <a:r>
+              <a:rPr lang="en-US" altLang="zh-CN"/>
+              <a:t>a</a:t>
+            </a:r>
+            <a:r>
+              <a:rPr lang="en-US" altLang="zh-CN" baseline="-25000"/>
+              <a:t>A</a:t>
+            </a:r>
+            <a:r>
+              <a:rPr lang="zh-CN" altLang="en-US"/>
+              <a:t>（加速度），输入的运动数据里的平动加速度</a:t>
+            </a:r>
+            <a:endParaRPr lang="zh-CN" altLang="en-US"/>
+          </a:p>
+          <a:p>
+            <a:pPr lvl="2"/>
+            <a:r>
+              <a:rPr lang="en-US" altLang="zh-CN"/>
+              <a:t>ω</a:t>
+            </a:r>
+            <a:r>
+              <a:rPr lang="en-US" altLang="zh-CN" baseline="-25000"/>
+              <a:t>A</a:t>
+            </a:r>
+            <a:r>
+              <a:rPr lang="zh-CN" altLang="en-US"/>
+              <a:t>（角速度），</a:t>
+            </a:r>
+            <a:r>
+              <a:rPr lang="zh-CN" altLang="en-US">
+                <a:sym typeface="+mn-ea"/>
+              </a:rPr>
+              <a:t>输入的运动数据里的角速度</a:t>
+            </a:r>
+            <a:endParaRPr lang="en-US" altLang="zh-CN"/>
+          </a:p>
+          <a:p>
+            <a:pPr lvl="1"/>
+            <a:r>
+              <a:rPr lang="zh-CN" altLang="en-US"/>
+              <a:t>输出</a:t>
+            </a:r>
+            <a:endParaRPr lang="zh-CN" altLang="en-US"/>
+          </a:p>
+          <a:p>
+            <a:pPr lvl="2"/>
+            <a:r>
+              <a:rPr lang="en-US" altLang="zh-CN"/>
+              <a:t>S</a:t>
+            </a:r>
+            <a:r>
+              <a:rPr lang="en-US" altLang="zh-CN" baseline="-25000"/>
+              <a:t>I</a:t>
+            </a:r>
+            <a:r>
+              <a:rPr lang="zh-CN" altLang="en-US"/>
+              <a:t>（洗出位移</a:t>
+            </a:r>
+            <a:r>
+              <a:rPr lang="zh-CN" altLang="en-US"/>
+              <a:t>）</a:t>
+            </a:r>
+            <a:endParaRPr lang="zh-CN" altLang="en-US"/>
+          </a:p>
+          <a:p>
+            <a:pPr lvl="2"/>
+            <a:r>
+              <a:rPr lang="en-US" altLang="zh-CN"/>
+              <a:t>β</a:t>
+            </a:r>
+            <a:r>
+              <a:rPr lang="en-US" altLang="zh-CN" baseline="-25000"/>
+              <a:t>SL</a:t>
+            </a:r>
+            <a:r>
+              <a:rPr lang="en-US" altLang="zh-CN"/>
+              <a:t> +  β</a:t>
+            </a:r>
+            <a:r>
+              <a:rPr lang="en-US" altLang="zh-CN" baseline="-25000"/>
+              <a:t>H</a:t>
+            </a:r>
+            <a:r>
+              <a:rPr lang="zh-CN" altLang="en-US"/>
+              <a:t>（洗出角速度</a:t>
+            </a:r>
+            <a:r>
+              <a:rPr lang="zh-CN" altLang="en-US"/>
+              <a:t>）</a:t>
+            </a:r>
+            <a:endParaRPr lang="zh-CN" altLang="en-US"/>
+          </a:p>
+          <a:p>
+            <a:pPr lvl="2"/>
+            <a:endParaRPr lang="zh-CN" altLang="en-US"/>
+          </a:p>
+        </p:txBody>
+      </p:sp>
+    </p:spTree>
+  </p:cSld>
+  <p:clrMapOvr>
+    <a:masterClrMapping/>
+  </p:clrMapOvr>
+  <p:transition>
+    <p:push dir="u"/>
+  </p:transition>
+</p:sld>
+</file>
+
+<file path=ppt/slides/slide7.xml><?xml version="1.0" encoding="utf-8"?>
+<p:sld xmlns:a="http://schemas.openxmlformats.org/drawingml/2006/main" xmlns:r="http://schemas.openxmlformats.org/officeDocument/2006/relationships" xmlns:p="http://schemas.openxmlformats.org/presentationml/2006/main">
+  <p:cSld>
+    <p:spTree>
+      <p:nvGrpSpPr>
+        <p:cNvPr id="1" name=""/>
+        <p:cNvGrpSpPr/>
+        <p:nvPr/>
+      </p:nvGrpSpPr>
+      <p:grpSpPr/>
+      <p:sp>
+        <p:nvSpPr>
+          <p:cNvPr id="2" name="标题 1"/>
+          <p:cNvSpPr>
+            <a:spLocks noGrp="1"/>
+          </p:cNvSpPr>
+          <p:nvPr>
+            <p:ph type="title"/>
+          </p:nvPr>
+        </p:nvSpPr>
+        <p:spPr/>
+        <p:txBody>
+          <a:bodyPr/>
+          <a:p>
+            <a:r>
+              <a:rPr lang="zh-CN" altLang="en-US"/>
+              <a:t>体感模拟模块（</a:t>
+            </a:r>
+            <a:r>
+              <a:rPr lang="en-US" altLang="zh-CN"/>
+              <a:t>2</a:t>
             </a:r>
             <a:r>
               <a:rPr lang="zh-CN" altLang="en-US"/>
@@ -5743,199 +6292,9 @@
   <p:clrMapOvr>
     <a:masterClrMapping/>
   </p:clrMapOvr>
-</p:sld>
-</file>
-
-<file path=ppt/slides/slide7.xml><?xml version="1.0" encoding="utf-8"?>
-<p:sld xmlns:a="http://schemas.openxmlformats.org/drawingml/2006/main" xmlns:r="http://schemas.openxmlformats.org/officeDocument/2006/relationships" xmlns:p="http://schemas.openxmlformats.org/presentationml/2006/main">
-  <p:cSld>
-    <p:spTree>
-      <p:nvGrpSpPr>
-        <p:cNvPr id="1" name=""/>
-        <p:cNvGrpSpPr/>
-        <p:nvPr/>
-      </p:nvGrpSpPr>
-      <p:grpSpPr/>
-      <p:sp>
-        <p:nvSpPr>
-          <p:cNvPr id="2" name="标题 1"/>
-          <p:cNvSpPr>
-            <a:spLocks noGrp="1"/>
-          </p:cNvSpPr>
-          <p:nvPr>
-            <p:ph type="title"/>
-          </p:nvPr>
-        </p:nvSpPr>
-        <p:spPr/>
-        <p:txBody>
-          <a:bodyPr/>
-          <a:p>
-            <a:r>
-              <a:rPr lang="zh-CN" altLang="en-US"/>
-              <a:t>体感模拟模块（</a:t>
-            </a:r>
-            <a:r>
-              <a:rPr lang="en-US" altLang="zh-CN"/>
-              <a:t>2</a:t>
-            </a:r>
-            <a:r>
-              <a:rPr lang="zh-CN" altLang="en-US"/>
-              <a:t>）</a:t>
-            </a:r>
-            <a:endParaRPr lang="zh-CN" altLang="en-US"/>
-          </a:p>
-        </p:txBody>
-      </p:sp>
-      <p:sp>
-        <p:nvSpPr>
-          <p:cNvPr id="3" name="内容占位符 2"/>
-          <p:cNvSpPr>
-            <a:spLocks noGrp="1"/>
-          </p:cNvSpPr>
-          <p:nvPr>
-            <p:ph idx="1"/>
-          </p:nvPr>
-        </p:nvSpPr>
-        <p:spPr/>
-        <p:txBody>
-          <a:bodyPr>
-            <a:normAutofit fontScale="90000" lnSpcReduction="20000"/>
-          </a:bodyPr>
-          <a:p>
-            <a:r>
-              <a:rPr lang="zh-CN" altLang="en-US"/>
-              <a:t>主要功能</a:t>
-            </a:r>
-            <a:endParaRPr lang="zh-CN" altLang="en-US"/>
-          </a:p>
-          <a:p>
-            <a:pPr lvl="1"/>
-            <a:r>
-              <a:rPr lang="zh-CN" altLang="en-US" sz="2400"/>
-              <a:t>将输入的运动数据转化为运动平台的位移和角位移</a:t>
-            </a:r>
-            <a:endParaRPr lang="zh-CN" altLang="en-US"/>
-          </a:p>
-          <a:p>
-            <a:r>
-              <a:rPr lang="zh-CN" altLang="en-US"/>
-              <a:t>输入输出</a:t>
-            </a:r>
-            <a:endParaRPr lang="zh-CN" altLang="en-US"/>
-          </a:p>
-          <a:p>
-            <a:pPr lvl="1"/>
-            <a:r>
-              <a:rPr lang="zh-CN" altLang="en-US"/>
-              <a:t>输入</a:t>
-            </a:r>
-            <a:endParaRPr lang="zh-CN" altLang="en-US"/>
-          </a:p>
-          <a:p>
-            <a:pPr lvl="2"/>
-            <a:r>
-              <a:rPr lang="en-US" altLang="zh-CN"/>
-              <a:t>a</a:t>
-            </a:r>
-            <a:r>
-              <a:rPr lang="en-US" altLang="zh-CN" baseline="-25000"/>
-              <a:t>A</a:t>
-            </a:r>
-            <a:r>
-              <a:rPr lang="zh-CN" altLang="en-US"/>
-              <a:t>（加速度），输入的运动数据里的平动加速度</a:t>
-            </a:r>
-            <a:endParaRPr lang="zh-CN" altLang="en-US"/>
-          </a:p>
-          <a:p>
-            <a:pPr lvl="2"/>
-            <a:r>
-              <a:rPr lang="en-US" altLang="zh-CN"/>
-              <a:t>ω</a:t>
-            </a:r>
-            <a:r>
-              <a:rPr lang="en-US" altLang="zh-CN" baseline="-25000"/>
-              <a:t>A</a:t>
-            </a:r>
-            <a:r>
-              <a:rPr lang="zh-CN" altLang="en-US"/>
-              <a:t>（角速度），</a:t>
-            </a:r>
-            <a:r>
-              <a:rPr lang="zh-CN" altLang="en-US">
-                <a:sym typeface="+mn-ea"/>
-              </a:rPr>
-              <a:t>输入的运动数据里的角速度</a:t>
-            </a:r>
-            <a:endParaRPr lang="en-US" altLang="zh-CN"/>
-          </a:p>
-          <a:p>
-            <a:pPr lvl="1"/>
-            <a:r>
-              <a:rPr lang="zh-CN" altLang="en-US"/>
-              <a:t>输出</a:t>
-            </a:r>
-            <a:endParaRPr lang="zh-CN" altLang="en-US"/>
-          </a:p>
-          <a:p>
-            <a:pPr lvl="2"/>
-            <a:r>
-              <a:rPr lang="en-US" altLang="zh-CN"/>
-              <a:t>S</a:t>
-            </a:r>
-            <a:r>
-              <a:rPr lang="en-US" altLang="zh-CN" baseline="-25000"/>
-              <a:t>I</a:t>
-            </a:r>
-            <a:r>
-              <a:rPr lang="zh-CN" altLang="en-US"/>
-              <a:t>（洗出位移</a:t>
-            </a:r>
-            <a:r>
-              <a:rPr lang="zh-CN" altLang="en-US"/>
-              <a:t>）</a:t>
-            </a:r>
-            <a:endParaRPr lang="zh-CN" altLang="en-US"/>
-          </a:p>
-          <a:p>
-            <a:pPr lvl="2"/>
-            <a:r>
-              <a:rPr lang="en-US" altLang="zh-CN"/>
-              <a:t>β</a:t>
-            </a:r>
-            <a:r>
-              <a:rPr lang="en-US" altLang="zh-CN" baseline="-25000"/>
-              <a:t>SL</a:t>
-            </a:r>
-            <a:r>
-              <a:rPr lang="en-US" altLang="zh-CN"/>
-              <a:t> +  β</a:t>
-            </a:r>
-            <a:r>
-              <a:rPr lang="en-US" altLang="zh-CN" baseline="-25000"/>
-              <a:t>H</a:t>
-            </a:r>
-            <a:r>
-              <a:rPr lang="zh-CN" altLang="en-US"/>
-              <a:t>（洗出角速度</a:t>
-            </a:r>
-            <a:r>
-              <a:rPr lang="zh-CN" altLang="en-US"/>
-              <a:t>）</a:t>
-            </a:r>
-            <a:endParaRPr lang="zh-CN" altLang="en-US"/>
-          </a:p>
-          <a:p>
-            <a:pPr lvl="2"/>
-            <a:endParaRPr lang="zh-CN" altLang="en-US"/>
-          </a:p>
-        </p:txBody>
-      </p:sp>
-    </p:spTree>
-  </p:cSld>
-  <p:clrMapOvr>
-    <a:masterClrMapping/>
-  </p:clrMapOvr>
+  <p:transition>
+    <p:push dir="u"/>
+  </p:transition>
 </p:sld>
 </file>
 
@@ -5995,11 +6354,7 @@
             <a:pPr lvl="1"/>
             <a:r>
               <a:rPr lang="zh-CN" altLang="en-US"/>
-              <a:t>将得到的平台的位姿反解，获得运动品该</a:t>
-            </a:r>
-            <a:r>
-              <a:rPr lang="zh-CN" altLang="en-US"/>
-              <a:t>各个部件真实运动数据</a:t>
+              <a:t>将得到的平台的位姿反解，获得运动平台各个部件真实运动数据</a:t>
             </a:r>
             <a:endParaRPr lang="zh-CN" altLang="en-US"/>
           </a:p>
@@ -6042,6 +6397,9 @@
   <p:clrMapOvr>
     <a:masterClrMapping/>
   </p:clrMapOvr>
+  <p:transition>
+    <p:push dir="u"/>
+  </p:transition>
 </p:sld>
 </file>
 
@@ -6176,6 +6534,9 @@
   <p:clrMapOvr>
     <a:masterClrMapping/>
   </p:clrMapOvr>
+  <p:transition>
+    <p:push dir="u"/>
+  </p:transition>
 </p:sld>
 </file>
 
